--- a/컴퓨터 공학/메모리 구조.pptx
+++ b/컴퓨터 공학/메모리 구조.pptx
@@ -3751,8 +3751,8 @@
         </p:nvSpPr>
         <p:spPr>
           <a:xfrm>
-            <a:off x="4366272" y="4038208"/>
-            <a:ext cx="3269673" cy="663188"/>
+            <a:off x="4176487" y="3999714"/>
+            <a:ext cx="3649244" cy="740176"/>
           </a:xfrm>
           <a:prstGeom prst="rect">
             <a:avLst/>
@@ -3786,14 +3786,14 @@
           <a:p>
             <a:pPr algn="ctr"/>
             <a:r>
-              <a:rPr lang="ko-KR" altLang="en-US" dirty="0"/>
+              <a:rPr lang="ko-KR" altLang="en-US" sz="2000" dirty="0"/>
               <a:t>운영체제</a:t>
             </a:r>
             <a:r>
-              <a:rPr lang="en-US" altLang="ko-KR" dirty="0"/>
+              <a:rPr lang="en-US" altLang="ko-KR" sz="2000" dirty="0"/>
               <a:t>(OS)</a:t>
             </a:r>
-            <a:endParaRPr lang="ko-KR" altLang="en-US" dirty="0"/>
+            <a:endParaRPr lang="ko-KR" altLang="en-US" sz="2000" dirty="0"/>
           </a:p>
         </p:txBody>
       </p:sp>
@@ -3811,8 +3811,8 @@
         </p:nvSpPr>
         <p:spPr>
           <a:xfrm>
-            <a:off x="4928556" y="5193100"/>
-            <a:ext cx="2145103" cy="495495"/>
+            <a:off x="4804046" y="5350057"/>
+            <a:ext cx="2394124" cy="553014"/>
           </a:xfrm>
           <a:prstGeom prst="roundRect">
             <a:avLst/>
@@ -3846,7 +3846,7 @@
           <a:p>
             <a:pPr algn="ctr"/>
             <a:r>
-              <a:rPr lang="ko-KR" altLang="en-US"/>
+              <a:rPr lang="ko-KR" altLang="en-US" sz="2000"/>
               <a:t>사용자</a:t>
             </a:r>
           </a:p>
@@ -3866,8 +3866,8 @@
         </p:nvSpPr>
         <p:spPr>
           <a:xfrm>
-            <a:off x="4963063" y="3243531"/>
-            <a:ext cx="2145103" cy="495495"/>
+            <a:off x="4838553" y="3214772"/>
+            <a:ext cx="2394124" cy="553014"/>
           </a:xfrm>
           <a:prstGeom prst="roundRect">
             <a:avLst/>
@@ -3905,10 +3905,10 @@
           <a:p>
             <a:pPr algn="ctr"/>
             <a:r>
-              <a:rPr lang="en-US" altLang="ko-KR" dirty="0"/>
+              <a:rPr lang="en-US" altLang="ko-KR" sz="2000" dirty="0"/>
               <a:t>Stack</a:t>
             </a:r>
-            <a:endParaRPr lang="ko-KR" altLang="en-US" dirty="0"/>
+            <a:endParaRPr lang="ko-KR" altLang="en-US" sz="2000" dirty="0"/>
           </a:p>
         </p:txBody>
       </p:sp>
@@ -3926,8 +3926,8 @@
         </p:nvSpPr>
         <p:spPr>
           <a:xfrm>
-            <a:off x="4963063" y="2666085"/>
-            <a:ext cx="2145103" cy="495495"/>
+            <a:off x="4838553" y="2637326"/>
+            <a:ext cx="2394124" cy="553014"/>
           </a:xfrm>
           <a:prstGeom prst="roundRect">
             <a:avLst/>
@@ -3965,10 +3965,10 @@
           <a:p>
             <a:pPr algn="ctr"/>
             <a:r>
-              <a:rPr lang="en-US" altLang="ko-KR" dirty="0"/>
+              <a:rPr lang="en-US" altLang="ko-KR" sz="2000" dirty="0"/>
               <a:t>Free Store</a:t>
             </a:r>
-            <a:endParaRPr lang="ko-KR" altLang="en-US" dirty="0"/>
+            <a:endParaRPr lang="ko-KR" altLang="en-US" sz="2000" dirty="0"/>
           </a:p>
         </p:txBody>
       </p:sp>
@@ -3986,8 +3986,8 @@
         </p:nvSpPr>
         <p:spPr>
           <a:xfrm>
-            <a:off x="4963063" y="2088639"/>
-            <a:ext cx="2145103" cy="495495"/>
+            <a:off x="4838553" y="2059880"/>
+            <a:ext cx="2394124" cy="553014"/>
           </a:xfrm>
           <a:prstGeom prst="roundRect">
             <a:avLst/>
@@ -4025,10 +4025,10 @@
           <a:p>
             <a:pPr algn="ctr"/>
             <a:r>
-              <a:rPr lang="en-US" altLang="ko-KR" dirty="0"/>
+              <a:rPr lang="en-US" altLang="ko-KR" sz="2000" dirty="0"/>
               <a:t>Heap</a:t>
             </a:r>
-            <a:endParaRPr lang="ko-KR" altLang="en-US" dirty="0"/>
+            <a:endParaRPr lang="ko-KR" altLang="en-US" sz="2000" dirty="0"/>
           </a:p>
         </p:txBody>
       </p:sp>
@@ -4046,8 +4046,8 @@
         </p:nvSpPr>
         <p:spPr>
           <a:xfrm>
-            <a:off x="4963063" y="1511193"/>
-            <a:ext cx="2145103" cy="495495"/>
+            <a:off x="4838553" y="1482434"/>
+            <a:ext cx="2394124" cy="553014"/>
           </a:xfrm>
           <a:prstGeom prst="roundRect">
             <a:avLst/>
@@ -4085,10 +4085,10 @@
           <a:p>
             <a:pPr algn="ctr"/>
             <a:r>
-              <a:rPr lang="en-US" altLang="ko-KR" dirty="0"/>
+              <a:rPr lang="en-US" altLang="ko-KR" sz="2000" dirty="0"/>
               <a:t>Data</a:t>
             </a:r>
-            <a:endParaRPr lang="ko-KR" altLang="en-US" dirty="0"/>
+            <a:endParaRPr lang="ko-KR" altLang="en-US" sz="2000" dirty="0"/>
           </a:p>
         </p:txBody>
       </p:sp>
@@ -4106,8 +4106,8 @@
         </p:nvSpPr>
         <p:spPr>
           <a:xfrm>
-            <a:off x="4963063" y="933747"/>
-            <a:ext cx="2145103" cy="495495"/>
+            <a:off x="4838553" y="904988"/>
+            <a:ext cx="2394124" cy="553014"/>
           </a:xfrm>
           <a:prstGeom prst="roundRect">
             <a:avLst/>
@@ -4145,10 +4145,10 @@
           <a:p>
             <a:pPr algn="ctr"/>
             <a:r>
-              <a:rPr lang="en-US" altLang="ko-KR" dirty="0"/>
+              <a:rPr lang="en-US" altLang="ko-KR" sz="2000" dirty="0"/>
               <a:t>Program code</a:t>
             </a:r>
-            <a:endParaRPr lang="ko-KR" altLang="en-US" dirty="0"/>
+            <a:endParaRPr lang="ko-KR" altLang="en-US" sz="2000" dirty="0"/>
           </a:p>
         </p:txBody>
       </p:sp>
@@ -4166,8 +4166,8 @@
         </p:nvSpPr>
         <p:spPr>
           <a:xfrm>
-            <a:off x="2220648" y="2111252"/>
-            <a:ext cx="1508316" cy="663188"/>
+            <a:off x="2133099" y="2072758"/>
+            <a:ext cx="1683414" cy="740176"/>
           </a:xfrm>
           <a:prstGeom prst="rect">
             <a:avLst/>
@@ -4201,10 +4201,10 @@
           <a:p>
             <a:pPr algn="ctr"/>
             <a:r>
-              <a:rPr lang="en-US" altLang="ko-KR" dirty="0"/>
+              <a:rPr lang="en-US" altLang="ko-KR" sz="2000" dirty="0"/>
               <a:t>CPU</a:t>
             </a:r>
-            <a:endParaRPr lang="ko-KR" altLang="en-US" dirty="0"/>
+            <a:endParaRPr lang="ko-KR" altLang="en-US" sz="2000" dirty="0"/>
           </a:p>
         </p:txBody>
       </p:sp>
@@ -4224,8 +4224,8 @@
         </p:nvCxnSpPr>
         <p:spPr>
           <a:xfrm flipV="1">
-            <a:off x="7272068" y="3347048"/>
-            <a:ext cx="0" cy="391978"/>
+            <a:off x="7343305" y="3214772"/>
+            <a:ext cx="0" cy="501952"/>
           </a:xfrm>
           <a:prstGeom prst="straightConnector1">
             <a:avLst/>
@@ -4267,8 +4267,8 @@
         </p:nvCxnSpPr>
         <p:spPr>
           <a:xfrm flipV="1">
-            <a:off x="6001108" y="4701396"/>
-            <a:ext cx="1" cy="491704"/>
+            <a:off x="6001108" y="4739890"/>
+            <a:ext cx="1" cy="610167"/>
           </a:xfrm>
           <a:prstGeom prst="straightConnector1">
             <a:avLst/>
@@ -4306,8 +4306,8 @@
         </p:nvSpPr>
         <p:spPr>
           <a:xfrm>
-            <a:off x="6197948" y="4797364"/>
-            <a:ext cx="1824618" cy="281500"/>
+            <a:off x="6092040" y="4887884"/>
+            <a:ext cx="2036434" cy="314178"/>
           </a:xfrm>
           <a:prstGeom prst="rect">
             <a:avLst/>
@@ -4344,11 +4344,11 @@
           <a:p>
             <a:pPr algn="ctr"/>
             <a:r>
-              <a:rPr lang="en-US" altLang="ko-KR" sz="1200" b="1" dirty="0"/>
+              <a:rPr lang="en-US" altLang="ko-KR" sz="1400" b="1" dirty="0"/>
               <a:t>1.</a:t>
             </a:r>
             <a:r>
-              <a:rPr lang="ko-KR" altLang="en-US" sz="1200" b="1" dirty="0"/>
+              <a:rPr lang="ko-KR" altLang="en-US" sz="1400" b="1" dirty="0"/>
               <a:t> 프로그램 실행요청</a:t>
             </a:r>
           </a:p>
@@ -4368,8 +4368,8 @@
         </p:nvSpPr>
         <p:spPr>
           <a:xfrm>
-            <a:off x="1121434" y="568710"/>
-            <a:ext cx="2950233" cy="504168"/>
+            <a:off x="640816" y="1236731"/>
+            <a:ext cx="3292720" cy="562696"/>
           </a:xfrm>
           <a:prstGeom prst="rect">
             <a:avLst/>
@@ -4406,26 +4406,26 @@
           <a:p>
             <a:pPr algn="ctr"/>
             <a:r>
-              <a:rPr lang="en-US" altLang="ko-KR" sz="1200" b="1" dirty="0"/>
+              <a:rPr lang="en-US" altLang="ko-KR" sz="1400" b="1" dirty="0"/>
               <a:t>3. CPU</a:t>
             </a:r>
             <a:r>
-              <a:rPr lang="ko-KR" altLang="en-US" sz="1200" b="1" dirty="0"/>
+              <a:rPr lang="ko-KR" altLang="en-US" sz="1400" b="1" dirty="0"/>
               <a:t>는 프로그램 코드를 가져다 </a:t>
             </a:r>
-            <a:endParaRPr lang="en-US" altLang="ko-KR" sz="1200" b="1" dirty="0"/>
+            <a:endParaRPr lang="en-US" altLang="ko-KR" sz="1400" b="1" dirty="0"/>
           </a:p>
           <a:p>
             <a:pPr algn="ctr"/>
             <a:r>
-              <a:rPr lang="ko-KR" altLang="en-US" sz="1200" b="1" dirty="0"/>
+              <a:rPr lang="ko-KR" altLang="en-US" sz="1400" b="1" dirty="0"/>
               <a:t>메모리를 관리하고 명령문을 실행한다</a:t>
             </a:r>
             <a:r>
-              <a:rPr lang="en-US" altLang="ko-KR" sz="1200" b="1" dirty="0"/>
+              <a:rPr lang="en-US" altLang="ko-KR" sz="1400" b="1" dirty="0"/>
               <a:t>.</a:t>
             </a:r>
-            <a:endParaRPr lang="ko-KR" altLang="en-US" sz="1200" b="1" dirty="0"/>
+            <a:endParaRPr lang="ko-KR" altLang="en-US" sz="1400" b="1" dirty="0"/>
           </a:p>
         </p:txBody>
       </p:sp>
@@ -4445,8 +4445,8 @@
         </p:nvCxnSpPr>
         <p:spPr>
           <a:xfrm flipH="1">
-            <a:off x="2592892" y="4038208"/>
-            <a:ext cx="1773380" cy="0"/>
+            <a:off x="2673956" y="4568209"/>
+            <a:ext cx="1502531" cy="0"/>
           </a:xfrm>
           <a:prstGeom prst="straightConnector1">
             <a:avLst/>
@@ -4484,8 +4484,8 @@
         </p:nvSpPr>
         <p:spPr>
           <a:xfrm>
-            <a:off x="958056" y="3445172"/>
-            <a:ext cx="1621766" cy="1398526"/>
+            <a:off x="863922" y="3589363"/>
+            <a:ext cx="1810034" cy="1560878"/>
           </a:xfrm>
           <a:prstGeom prst="can">
             <a:avLst/>
@@ -4521,18 +4521,18 @@
           <a:p>
             <a:pPr algn="ctr"/>
             <a:r>
-              <a:rPr lang="ko-KR" altLang="en-US" sz="1600" dirty="0"/>
+              <a:rPr lang="ko-KR" altLang="en-US" dirty="0"/>
               <a:t>보조기억장치</a:t>
             </a:r>
-            <a:endParaRPr lang="en-US" altLang="ko-KR" sz="1600" dirty="0"/>
+            <a:endParaRPr lang="en-US" altLang="ko-KR" dirty="0"/>
           </a:p>
           <a:p>
             <a:pPr algn="ctr"/>
             <a:r>
-              <a:rPr lang="en-US" altLang="ko-KR" sz="1600" dirty="0"/>
+              <a:rPr lang="en-US" altLang="ko-KR" dirty="0"/>
               <a:t>(HDD)</a:t>
             </a:r>
-            <a:endParaRPr lang="ko-KR" altLang="en-US" sz="1600" dirty="0"/>
+            <a:endParaRPr lang="ko-KR" altLang="en-US" dirty="0"/>
           </a:p>
         </p:txBody>
       </p:sp>
@@ -4553,11 +4553,13 @@
         </p:nvCxnSpPr>
         <p:spPr>
           <a:xfrm flipV="1">
-            <a:off x="3728964" y="1181495"/>
-            <a:ext cx="1234099" cy="1261351"/>
+            <a:off x="3816513" y="1181495"/>
+            <a:ext cx="1022040" cy="1261351"/>
           </a:xfrm>
           <a:prstGeom prst="bentConnector3">
-            <a:avLst/>
+            <a:avLst>
+              <a:gd name="adj1" fmla="val 27211"/>
+            </a:avLst>
           </a:prstGeom>
           <a:ln w="28575">
             <a:tailEnd type="triangle" w="lg" len="lg"/>
@@ -4594,8 +4596,8 @@
         </p:nvCxnSpPr>
         <p:spPr>
           <a:xfrm>
-            <a:off x="7272068" y="2111252"/>
-            <a:ext cx="0" cy="381457"/>
+            <a:off x="7326052" y="2091581"/>
+            <a:ext cx="0" cy="490098"/>
           </a:xfrm>
           <a:prstGeom prst="straightConnector1">
             <a:avLst/>
@@ -4633,8 +4635,8 @@
         </p:nvSpPr>
         <p:spPr>
           <a:xfrm>
-            <a:off x="5123305" y="561794"/>
-            <a:ext cx="1824618" cy="281500"/>
+            <a:off x="5017397" y="545455"/>
+            <a:ext cx="2036434" cy="314178"/>
           </a:xfrm>
           <a:prstGeom prst="rect">
             <a:avLst/>
@@ -4672,14 +4674,14 @@
           <a:p>
             <a:pPr algn="ctr"/>
             <a:r>
-              <a:rPr lang="ko-KR" altLang="en-US" sz="1200" b="1" dirty="0"/>
+              <a:rPr lang="ko-KR" altLang="en-US" sz="1400" b="1" dirty="0"/>
               <a:t>주기억장치</a:t>
             </a:r>
             <a:r>
-              <a:rPr lang="en-US" altLang="ko-KR" sz="1200" b="1" dirty="0"/>
+              <a:rPr lang="en-US" altLang="ko-KR" sz="1400" b="1" dirty="0"/>
               <a:t>(RAM)</a:t>
             </a:r>
-            <a:endParaRPr lang="ko-KR" altLang="en-US" sz="1200" b="1" dirty="0"/>
+            <a:endParaRPr lang="ko-KR" altLang="en-US" sz="1400" b="1" dirty="0"/>
           </a:p>
         </p:txBody>
       </p:sp>
@@ -4697,8 +4699,8 @@
         </p:nvSpPr>
         <p:spPr>
           <a:xfrm>
-            <a:off x="7427607" y="1675094"/>
-            <a:ext cx="2370161" cy="663188"/>
+            <a:off x="7488441" y="1841317"/>
+            <a:ext cx="2645310" cy="740176"/>
           </a:xfrm>
           <a:prstGeom prst="rect">
             <a:avLst/>
@@ -4735,45 +4737,45 @@
           <a:p>
             <a:pPr algn="ctr"/>
             <a:r>
-              <a:rPr lang="en-US" altLang="ko-KR" sz="1200" b="1" dirty="0"/>
+              <a:rPr lang="en-US" altLang="ko-KR" sz="1400" b="1" dirty="0"/>
               <a:t>4. </a:t>
             </a:r>
             <a:r>
-              <a:rPr lang="ko-KR" altLang="en-US" sz="1200" b="1" dirty="0"/>
+              <a:rPr lang="ko-KR" altLang="en-US" sz="1400" b="1" dirty="0"/>
               <a:t>동적메모리가 할당되면 </a:t>
             </a:r>
             <a:r>
-              <a:rPr lang="en-US" altLang="ko-KR" sz="1200" b="1" dirty="0" err="1"/>
+              <a:rPr lang="en-US" altLang="ko-KR" sz="1400" b="1" dirty="0" err="1"/>
               <a:t>FreeStore</a:t>
             </a:r>
             <a:r>
-              <a:rPr lang="en-US" altLang="ko-KR" sz="1200" b="1" dirty="0"/>
+              <a:rPr lang="en-US" altLang="ko-KR" sz="1400" b="1" dirty="0"/>
               <a:t> </a:t>
             </a:r>
             <a:r>
-              <a:rPr lang="ko-KR" altLang="en-US" sz="1200" b="1" dirty="0"/>
+              <a:rPr lang="ko-KR" altLang="en-US" sz="1400" b="1" dirty="0"/>
               <a:t>영역을 사용한다</a:t>
             </a:r>
             <a:r>
-              <a:rPr lang="en-US" altLang="ko-KR" sz="1200" b="1" dirty="0"/>
+              <a:rPr lang="en-US" altLang="ko-KR" sz="1400" b="1" dirty="0"/>
               <a:t>.</a:t>
             </a:r>
           </a:p>
           <a:p>
             <a:pPr algn="ctr"/>
             <a:r>
-              <a:rPr lang="en-US" altLang="ko-KR" sz="1200" b="1" dirty="0"/>
+              <a:rPr lang="en-US" altLang="ko-KR" sz="1400" b="1" dirty="0"/>
               <a:t>(</a:t>
             </a:r>
             <a:r>
-              <a:rPr lang="ko-KR" altLang="en-US" sz="1200" b="1" dirty="0"/>
+              <a:rPr lang="ko-KR" altLang="en-US" sz="1400" b="1" dirty="0"/>
               <a:t>아래쪽으로 이동</a:t>
             </a:r>
             <a:r>
-              <a:rPr lang="en-US" altLang="ko-KR" sz="1200" b="1" dirty="0"/>
+              <a:rPr lang="en-US" altLang="ko-KR" sz="1400" b="1" dirty="0"/>
               <a:t>)</a:t>
             </a:r>
-            <a:endParaRPr lang="ko-KR" altLang="en-US" sz="1200" b="1" dirty="0"/>
+            <a:endParaRPr lang="ko-KR" altLang="en-US" sz="1400" b="1" dirty="0"/>
           </a:p>
         </p:txBody>
       </p:sp>
@@ -4791,8 +4793,8 @@
         </p:nvSpPr>
         <p:spPr>
           <a:xfrm>
-            <a:off x="7427607" y="2979577"/>
-            <a:ext cx="2370161" cy="663188"/>
+            <a:off x="7488441" y="2983829"/>
+            <a:ext cx="2645310" cy="740176"/>
           </a:xfrm>
           <a:prstGeom prst="rect">
             <a:avLst/>
@@ -4829,95 +4831,52 @@
           <a:p>
             <a:pPr algn="ctr"/>
             <a:r>
-              <a:rPr lang="en-US" altLang="ko-KR" sz="1200" b="1" dirty="0"/>
+              <a:rPr lang="en-US" altLang="ko-KR" sz="1400" b="1" dirty="0"/>
               <a:t>5. </a:t>
             </a:r>
             <a:r>
-              <a:rPr lang="ko-KR" altLang="en-US" sz="1200" b="1" dirty="0"/>
+              <a:rPr lang="ko-KR" altLang="en-US" sz="1400" b="1" dirty="0"/>
               <a:t>스택 메모리가 할당되면</a:t>
             </a:r>
-            <a:endParaRPr lang="en-US" altLang="ko-KR" sz="1200" b="1" dirty="0"/>
+            <a:endParaRPr lang="en-US" altLang="ko-KR" sz="1400" b="1" dirty="0"/>
           </a:p>
           <a:p>
             <a:pPr algn="ctr"/>
             <a:r>
-              <a:rPr lang="en-US" altLang="ko-KR" sz="1200" b="1" dirty="0" err="1"/>
+              <a:rPr lang="en-US" altLang="ko-KR" sz="1400" b="1" dirty="0" err="1"/>
               <a:t>FreeStore</a:t>
             </a:r>
             <a:r>
-              <a:rPr lang="en-US" altLang="ko-KR" sz="1200" b="1" dirty="0"/>
+              <a:rPr lang="en-US" altLang="ko-KR" sz="1400" b="1" dirty="0"/>
               <a:t> </a:t>
             </a:r>
             <a:r>
-              <a:rPr lang="ko-KR" altLang="en-US" sz="1200" b="1" dirty="0"/>
+              <a:rPr lang="ko-KR" altLang="en-US" sz="1400" b="1" dirty="0"/>
               <a:t>영역을 사용한다</a:t>
             </a:r>
             <a:r>
-              <a:rPr lang="en-US" altLang="ko-KR" sz="1200" b="1" dirty="0"/>
+              <a:rPr lang="en-US" altLang="ko-KR" sz="1400" b="1" dirty="0"/>
               <a:t>.</a:t>
             </a:r>
           </a:p>
           <a:p>
             <a:pPr algn="ctr"/>
             <a:r>
-              <a:rPr lang="en-US" altLang="ko-KR" sz="1200" b="1" dirty="0"/>
+              <a:rPr lang="en-US" altLang="ko-KR" sz="1400" b="1" dirty="0"/>
               <a:t>(</a:t>
             </a:r>
             <a:r>
-              <a:rPr lang="ko-KR" altLang="en-US" sz="1200" b="1" dirty="0"/>
+              <a:rPr lang="ko-KR" altLang="en-US" sz="1400" b="1" dirty="0"/>
               <a:t>위쪽으로 이동</a:t>
             </a:r>
             <a:r>
-              <a:rPr lang="en-US" altLang="ko-KR" sz="1200" b="1" dirty="0"/>
+              <a:rPr lang="en-US" altLang="ko-KR" sz="1400" b="1" dirty="0"/>
               <a:t>)</a:t>
             </a:r>
-            <a:endParaRPr lang="ko-KR" altLang="en-US" sz="1200" b="1" dirty="0"/>
-          </a:p>
-        </p:txBody>
-      </p:sp>
-      <p:cxnSp>
-        <p:nvCxnSpPr>
-          <p:cNvPr id="27" name="연결선: 꺾임 26">
-            <a:extLst>
-              <a:ext uri="{FF2B5EF4-FFF2-40B4-BE49-F238E27FC236}">
-                <a16:creationId xmlns:a16="http://schemas.microsoft.com/office/drawing/2014/main" id="{CA390C4B-0A66-4C4F-AF40-C1958A2CD977}"/>
-              </a:ext>
-            </a:extLst>
-          </p:cNvPr>
-          <p:cNvCxnSpPr>
-            <a:cxnSpLocks/>
-            <a:stCxn id="29" idx="1"/>
-            <a:endCxn id="12" idx="1"/>
-          </p:cNvCxnSpPr>
-          <p:nvPr/>
-        </p:nvCxnSpPr>
-        <p:spPr>
-          <a:xfrm rot="5400000" flipH="1" flipV="1">
-            <a:off x="2234163" y="716272"/>
-            <a:ext cx="2263677" cy="3194124"/>
-          </a:xfrm>
-          <a:prstGeom prst="bentConnector2">
-            <a:avLst/>
-          </a:prstGeom>
-          <a:ln w="28575">
-            <a:tailEnd type="triangle" w="lg" len="lg"/>
-          </a:ln>
-        </p:spPr>
-        <p:style>
-          <a:lnRef idx="1">
-            <a:schemeClr val="accent1"/>
-          </a:lnRef>
-          <a:fillRef idx="0">
-            <a:schemeClr val="accent1"/>
-          </a:fillRef>
-          <a:effectRef idx="0">
-            <a:schemeClr val="accent1"/>
-          </a:effectRef>
-          <a:fontRef idx="minor">
-            <a:schemeClr val="tx1"/>
-          </a:fontRef>
-        </p:style>
-      </p:cxnSp>
+            <a:endParaRPr lang="ko-KR" altLang="en-US" sz="1400" b="1" dirty="0"/>
+          </a:p>
+        </p:txBody>
+      </p:sp>
       <p:sp>
         <p:nvSpPr>
           <p:cNvPr id="25" name="직사각형 24">
@@ -4932,8 +4891,8 @@
         </p:nvSpPr>
         <p:spPr>
           <a:xfrm>
-            <a:off x="1900818" y="3381052"/>
-            <a:ext cx="2147977" cy="467507"/>
+            <a:off x="1133581" y="5220802"/>
+            <a:ext cx="2397332" cy="521778"/>
           </a:xfrm>
           <a:prstGeom prst="rect">
             <a:avLst/>
@@ -4970,22 +4929,22 @@
           <a:p>
             <a:pPr algn="ctr"/>
             <a:r>
-              <a:rPr lang="en-US" altLang="ko-KR" sz="1200" b="1" dirty="0"/>
+              <a:rPr lang="en-US" altLang="ko-KR" sz="1400" b="1" dirty="0"/>
               <a:t>2. </a:t>
             </a:r>
             <a:r>
-              <a:rPr lang="ko-KR" altLang="en-US" sz="1200" b="1" dirty="0"/>
+              <a:rPr lang="ko-KR" altLang="en-US" sz="1400" b="1" dirty="0"/>
               <a:t>프로그램의 정보를 읽어 메모리에 </a:t>
             </a:r>
             <a:r>
-              <a:rPr lang="ko-KR" altLang="en-US" sz="1200" b="1" dirty="0" err="1"/>
+              <a:rPr lang="ko-KR" altLang="en-US" sz="1400" b="1" dirty="0" err="1"/>
               <a:t>로드한다</a:t>
             </a:r>
             <a:r>
-              <a:rPr lang="en-US" altLang="ko-KR" sz="1200" b="1" dirty="0"/>
+              <a:rPr lang="en-US" altLang="ko-KR" sz="1400" b="1" dirty="0"/>
               <a:t>.</a:t>
             </a:r>
-            <a:endParaRPr lang="ko-KR" altLang="en-US" sz="1200" b="1" dirty="0"/>
+            <a:endParaRPr lang="ko-KR" altLang="en-US" sz="1400" b="1" dirty="0"/>
           </a:p>
         </p:txBody>
       </p:sp>
@@ -5003,8 +4962,8 @@
         </p:nvSpPr>
         <p:spPr>
           <a:xfrm>
-            <a:off x="5232571" y="6177803"/>
-            <a:ext cx="1715352" cy="342479"/>
+            <a:off x="4597635" y="6157925"/>
+            <a:ext cx="2985224" cy="382236"/>
           </a:xfrm>
           <a:prstGeom prst="rect">
             <a:avLst/>
@@ -5036,7 +4995,7 @@
           <a:p>
             <a:pPr algn="ctr"/>
             <a:r>
-              <a:rPr lang="ko-KR" altLang="en-US" sz="1200" b="1" dirty="0">
+              <a:rPr lang="ko-KR" altLang="en-US" b="1" dirty="0">
                 <a:solidFill>
                   <a:schemeClr val="tx1"/>
                 </a:solidFill>
@@ -5046,6 +5005,51 @@
           </a:p>
         </p:txBody>
       </p:sp>
+      <p:cxnSp>
+        <p:nvCxnSpPr>
+          <p:cNvPr id="42" name="연결선: 꺾임 41">
+            <a:extLst>
+              <a:ext uri="{FF2B5EF4-FFF2-40B4-BE49-F238E27FC236}">
+                <a16:creationId xmlns:a16="http://schemas.microsoft.com/office/drawing/2014/main" id="{94DB3A87-7E23-49A5-B19F-B1651211C89B}"/>
+              </a:ext>
+            </a:extLst>
+          </p:cNvPr>
+          <p:cNvCxnSpPr>
+            <a:cxnSpLocks/>
+            <a:stCxn id="29" idx="4"/>
+            <a:endCxn id="12" idx="1"/>
+          </p:cNvCxnSpPr>
+          <p:nvPr/>
+        </p:nvCxnSpPr>
+        <p:spPr>
+          <a:xfrm flipV="1">
+            <a:off x="2673956" y="1181495"/>
+            <a:ext cx="2164597" cy="3188307"/>
+          </a:xfrm>
+          <a:prstGeom prst="bentConnector3">
+            <a:avLst>
+              <a:gd name="adj1" fmla="val 65144"/>
+            </a:avLst>
+          </a:prstGeom>
+          <a:ln w="28575">
+            <a:tailEnd type="triangle" w="lg" len="lg"/>
+          </a:ln>
+        </p:spPr>
+        <p:style>
+          <a:lnRef idx="1">
+            <a:schemeClr val="accent1"/>
+          </a:lnRef>
+          <a:fillRef idx="0">
+            <a:schemeClr val="accent1"/>
+          </a:fillRef>
+          <a:effectRef idx="0">
+            <a:schemeClr val="accent1"/>
+          </a:effectRef>
+          <a:fontRef idx="minor">
+            <a:schemeClr val="tx1"/>
+          </a:fontRef>
+        </p:style>
+      </p:cxnSp>
     </p:spTree>
     <p:extLst>
       <p:ext uri="{BB962C8B-B14F-4D97-AF65-F5344CB8AC3E}">
@@ -5090,8 +5094,8 @@
         </p:nvSpPr>
         <p:spPr>
           <a:xfrm>
-            <a:off x="5382883" y="508957"/>
-            <a:ext cx="1426234" cy="5132717"/>
+            <a:off x="5243554" y="690113"/>
+            <a:ext cx="1704892" cy="5106838"/>
           </a:xfrm>
           <a:prstGeom prst="rect">
             <a:avLst/>
@@ -5126,7 +5130,7 @@
           <a:lstStyle/>
           <a:p>
             <a:pPr algn="ctr"/>
-            <a:endParaRPr lang="ko-KR" altLang="en-US"/>
+            <a:endParaRPr lang="ko-KR" altLang="en-US" sz="2000"/>
           </a:p>
         </p:txBody>
       </p:sp>
@@ -5144,8 +5148,8 @@
         </p:nvSpPr>
         <p:spPr>
           <a:xfrm>
-            <a:off x="5426015" y="897147"/>
-            <a:ext cx="1328468" cy="905773"/>
+            <a:off x="5296237" y="808663"/>
+            <a:ext cx="1588024" cy="1082742"/>
           </a:xfrm>
           <a:prstGeom prst="rect">
             <a:avLst/>
@@ -5179,15 +5183,15 @@
           <a:p>
             <a:pPr algn="ctr"/>
             <a:r>
-              <a:rPr lang="ko-KR" altLang="en-US" sz="1600" dirty="0"/>
+              <a:rPr lang="ko-KR" altLang="en-US" dirty="0"/>
               <a:t>실행할 </a:t>
             </a:r>
-            <a:endParaRPr lang="en-US" altLang="ko-KR" sz="1600" dirty="0"/>
+            <a:endParaRPr lang="en-US" altLang="ko-KR" dirty="0"/>
           </a:p>
           <a:p>
             <a:pPr algn="ctr"/>
             <a:r>
-              <a:rPr lang="ko-KR" altLang="en-US" sz="1600" dirty="0"/>
+              <a:rPr lang="ko-KR" altLang="en-US" dirty="0"/>
               <a:t>프로그램의 코드</a:t>
             </a:r>
           </a:p>
@@ -5207,8 +5211,8 @@
         </p:nvSpPr>
         <p:spPr>
           <a:xfrm>
-            <a:off x="6948447" y="1209283"/>
-            <a:ext cx="1134504" cy="281500"/>
+            <a:off x="7127628" y="1181783"/>
+            <a:ext cx="1356164" cy="336500"/>
           </a:xfrm>
           <a:prstGeom prst="rect">
             <a:avLst/>
@@ -5244,10 +5248,10 @@
           <a:p>
             <a:pPr algn="ctr"/>
             <a:r>
-              <a:rPr lang="ko-KR" altLang="en-US" sz="1200" b="1"/>
+              <a:rPr lang="ko-KR" altLang="en-US" sz="1400" b="1"/>
               <a:t>코드 영역</a:t>
             </a:r>
-            <a:endParaRPr lang="ko-KR" altLang="en-US" sz="1200" b="1" dirty="0"/>
+            <a:endParaRPr lang="ko-KR" altLang="en-US" sz="1400" b="1" dirty="0"/>
           </a:p>
         </p:txBody>
       </p:sp>
@@ -5265,8 +5269,8 @@
         </p:nvSpPr>
         <p:spPr>
           <a:xfrm>
-            <a:off x="5426015" y="1846052"/>
-            <a:ext cx="1328468" cy="905773"/>
+            <a:off x="5296237" y="1757568"/>
+            <a:ext cx="1588024" cy="1082742"/>
           </a:xfrm>
           <a:prstGeom prst="rect">
             <a:avLst/>
@@ -5302,15 +5306,15 @@
           <a:p>
             <a:pPr algn="ctr"/>
             <a:r>
-              <a:rPr lang="ko-KR" altLang="en-US" sz="1600"/>
+              <a:rPr lang="ko-KR" altLang="en-US"/>
               <a:t>전역 변수</a:t>
             </a:r>
-            <a:endParaRPr lang="en-US" altLang="ko-KR" sz="1600" dirty="0"/>
+            <a:endParaRPr lang="en-US" altLang="ko-KR" dirty="0"/>
           </a:p>
           <a:p>
             <a:pPr algn="ctr"/>
             <a:r>
-              <a:rPr lang="ko-KR" altLang="en-US" sz="1600" dirty="0"/>
+              <a:rPr lang="ko-KR" altLang="en-US" dirty="0"/>
               <a:t>정적 변수</a:t>
             </a:r>
           </a:p>
@@ -5330,8 +5334,8 @@
         </p:nvSpPr>
         <p:spPr>
           <a:xfrm>
-            <a:off x="6948447" y="2158188"/>
-            <a:ext cx="1134504" cy="281500"/>
+            <a:off x="7127628" y="2130688"/>
+            <a:ext cx="1356164" cy="336500"/>
           </a:xfrm>
           <a:prstGeom prst="rect">
             <a:avLst/>
@@ -5367,7 +5371,7 @@
           <a:p>
             <a:pPr algn="ctr"/>
             <a:r>
-              <a:rPr lang="ko-KR" altLang="en-US" sz="1200" b="1" dirty="0"/>
+              <a:rPr lang="ko-KR" altLang="en-US" sz="1400" b="1" dirty="0"/>
               <a:t>데이터 영역</a:t>
             </a:r>
           </a:p>
@@ -5387,8 +5391,76 @@
         </p:nvSpPr>
         <p:spPr>
           <a:xfrm>
-            <a:off x="3877443" y="451744"/>
-            <a:ext cx="1366110" cy="445403"/>
+            <a:off x="3423841" y="542451"/>
+            <a:ext cx="1633020" cy="532424"/>
+          </a:xfrm>
+          <a:prstGeom prst="rect">
+            <a:avLst/>
+          </a:prstGeom>
+          <a:solidFill>
+            <a:srgbClr val="AF5827"/>
+          </a:solidFill>
+          <a:ln>
+            <a:noFill/>
+          </a:ln>
+        </p:spPr>
+        <p:style>
+          <a:lnRef idx="2">
+            <a:schemeClr val="accent1">
+              <a:shade val="50000"/>
+            </a:schemeClr>
+          </a:lnRef>
+          <a:fillRef idx="1">
+            <a:schemeClr val="accent1"/>
+          </a:fillRef>
+          <a:effectRef idx="0">
+            <a:schemeClr val="accent1"/>
+          </a:effectRef>
+          <a:fontRef idx="minor">
+            <a:schemeClr val="lt1"/>
+          </a:fontRef>
+        </p:style>
+        <p:txBody>
+          <a:bodyPr rtlCol="0" anchor="ctr"/>
+          <a:lstStyle/>
+          <a:p>
+            <a:pPr algn="ctr"/>
+            <a:r>
+              <a:rPr lang="ko-KR" altLang="en-US" sz="1400" b="1"/>
+              <a:t>낮은 주소</a:t>
+            </a:r>
+            <a:endParaRPr lang="en-US" altLang="ko-KR" sz="1400" b="1" dirty="0"/>
+          </a:p>
+          <a:p>
+            <a:pPr algn="ctr"/>
+            <a:r>
+              <a:rPr lang="en-US" altLang="ko-KR" sz="1400" b="1"/>
+              <a:t>(low memory</a:t>
+            </a:r>
+            <a:r>
+              <a:rPr lang="en-US" altLang="ko-KR" sz="1400" b="1" dirty="0"/>
+              <a:t>)</a:t>
+            </a:r>
+            <a:endParaRPr lang="ko-KR" altLang="en-US" sz="1400" b="1" dirty="0"/>
+          </a:p>
+        </p:txBody>
+      </p:sp>
+      <p:sp>
+        <p:nvSpPr>
+          <p:cNvPr id="33" name="직사각형 32">
+            <a:extLst>
+              <a:ext uri="{FF2B5EF4-FFF2-40B4-BE49-F238E27FC236}">
+                <a16:creationId xmlns:a16="http://schemas.microsoft.com/office/drawing/2014/main" id="{19C734D0-7416-4F16-89DA-4E7AA28FB056}"/>
+              </a:ext>
+            </a:extLst>
+          </p:cNvPr>
+          <p:cNvSpPr/>
+          <p:nvPr/>
+        </p:nvSpPr>
+        <p:spPr>
+          <a:xfrm>
+            <a:off x="3423841" y="3171477"/>
+            <a:ext cx="1633020" cy="532424"/>
           </a:xfrm>
           <a:prstGeom prst="rect">
             <a:avLst/>
@@ -5425,31 +5497,18 @@
           <a:p>
             <a:pPr algn="ctr"/>
             <a:r>
-              <a:rPr lang="ko-KR" altLang="en-US" sz="1200"/>
-              <a:t>낮은 주소</a:t>
-            </a:r>
-            <a:endParaRPr lang="en-US" altLang="ko-KR" sz="1200" dirty="0"/>
-          </a:p>
-          <a:p>
-            <a:pPr algn="ctr"/>
-            <a:r>
-              <a:rPr lang="en-US" altLang="ko-KR" sz="1200"/>
-              <a:t>(low memory</a:t>
-            </a:r>
-            <a:r>
-              <a:rPr lang="en-US" altLang="ko-KR" sz="1200" dirty="0"/>
-              <a:t>)</a:t>
-            </a:r>
-            <a:endParaRPr lang="ko-KR" altLang="en-US" sz="1200" dirty="0"/>
-          </a:p>
-        </p:txBody>
-      </p:sp>
-      <p:sp>
-        <p:nvSpPr>
-          <p:cNvPr id="33" name="직사각형 32">
-            <a:extLst>
-              <a:ext uri="{FF2B5EF4-FFF2-40B4-BE49-F238E27FC236}">
-                <a16:creationId xmlns:a16="http://schemas.microsoft.com/office/drawing/2014/main" id="{19C734D0-7416-4F16-89DA-4E7AA28FB056}"/>
+              <a:rPr lang="ko-KR" altLang="en-US" sz="1400" b="1" dirty="0"/>
+              <a:t>런타임에 크기가 결정됨</a:t>
+            </a:r>
+          </a:p>
+        </p:txBody>
+      </p:sp>
+      <p:sp>
+        <p:nvSpPr>
+          <p:cNvPr id="5" name="순서도: 문서 4">
+            <a:extLst>
+              <a:ext uri="{FF2B5EF4-FFF2-40B4-BE49-F238E27FC236}">
+                <a16:creationId xmlns:a16="http://schemas.microsoft.com/office/drawing/2014/main" id="{5B300580-C868-4ACE-B5BA-EAAA97C480BD}"/>
               </a:ext>
             </a:extLst>
           </p:cNvPr>
@@ -5458,66 +5517,8 @@
         </p:nvSpPr>
         <p:spPr>
           <a:xfrm>
-            <a:off x="3877443" y="3080770"/>
-            <a:ext cx="1366110" cy="445403"/>
-          </a:xfrm>
-          <a:prstGeom prst="rect">
-            <a:avLst/>
-          </a:prstGeom>
-          <a:solidFill>
-            <a:schemeClr val="tx1">
-              <a:lumMod val="75000"/>
-              <a:lumOff val="25000"/>
-            </a:schemeClr>
-          </a:solidFill>
-          <a:ln>
-            <a:noFill/>
-          </a:ln>
-        </p:spPr>
-        <p:style>
-          <a:lnRef idx="2">
-            <a:schemeClr val="accent1">
-              <a:shade val="50000"/>
-            </a:schemeClr>
-          </a:lnRef>
-          <a:fillRef idx="1">
-            <a:schemeClr val="accent1"/>
-          </a:fillRef>
-          <a:effectRef idx="0">
-            <a:schemeClr val="accent1"/>
-          </a:effectRef>
-          <a:fontRef idx="minor">
-            <a:schemeClr val="lt1"/>
-          </a:fontRef>
-        </p:style>
-        <p:txBody>
-          <a:bodyPr rtlCol="0" anchor="ctr"/>
-          <a:lstStyle/>
-          <a:p>
-            <a:pPr algn="ctr"/>
-            <a:r>
-              <a:rPr lang="ko-KR" altLang="en-US" sz="1200" b="1" dirty="0"/>
-              <a:t>런타임에 크기가 결정됨</a:t>
-            </a:r>
-          </a:p>
-        </p:txBody>
-      </p:sp>
-      <p:sp>
-        <p:nvSpPr>
-          <p:cNvPr id="5" name="순서도: 문서 4">
-            <a:extLst>
-              <a:ext uri="{FF2B5EF4-FFF2-40B4-BE49-F238E27FC236}">
-                <a16:creationId xmlns:a16="http://schemas.microsoft.com/office/drawing/2014/main" id="{5B300580-C868-4ACE-B5BA-EAAA97C480BD}"/>
-              </a:ext>
-            </a:extLst>
-          </p:cNvPr>
-          <p:cNvSpPr/>
-          <p:nvPr/>
-        </p:nvSpPr>
-        <p:spPr>
-          <a:xfrm>
-            <a:off x="5426015" y="2924354"/>
-            <a:ext cx="1328468" cy="1164566"/>
+            <a:off x="5296237" y="2810588"/>
+            <a:ext cx="1588024" cy="1392098"/>
           </a:xfrm>
           <a:prstGeom prst="flowChartDocument">
             <a:avLst/>
@@ -5555,15 +5556,15 @@
           <a:p>
             <a:pPr algn="ctr"/>
             <a:r>
-              <a:rPr lang="ko-KR" altLang="en-US" sz="1600" dirty="0"/>
+              <a:rPr lang="ko-KR" altLang="en-US" dirty="0"/>
               <a:t>사용자의 </a:t>
             </a:r>
-            <a:endParaRPr lang="en-US" altLang="ko-KR" sz="1600" dirty="0"/>
+            <a:endParaRPr lang="en-US" altLang="ko-KR" dirty="0"/>
           </a:p>
           <a:p>
             <a:pPr algn="ctr"/>
             <a:r>
-              <a:rPr lang="ko-KR" altLang="en-US" sz="1600" dirty="0"/>
+              <a:rPr lang="ko-KR" altLang="en-US" dirty="0"/>
               <a:t>동적 할당</a:t>
             </a:r>
           </a:p>
@@ -5583,8 +5584,8 @@
         </p:nvSpPr>
         <p:spPr>
           <a:xfrm flipH="1" flipV="1">
-            <a:off x="5426015" y="4390843"/>
-            <a:ext cx="1328468" cy="1164566"/>
+            <a:off x="5296237" y="4277077"/>
+            <a:ext cx="1588024" cy="1392098"/>
           </a:xfrm>
           <a:prstGeom prst="flowChartDocument">
             <a:avLst/>
@@ -5619,7 +5620,7 @@
           <a:lstStyle/>
           <a:p>
             <a:pPr algn="ctr"/>
-            <a:endParaRPr lang="ko-KR" altLang="en-US" sz="1200" b="1" dirty="0"/>
+            <a:endParaRPr lang="ko-KR" altLang="en-US" sz="1400" b="1" dirty="0"/>
           </a:p>
         </p:txBody>
       </p:sp>
@@ -5637,8 +5638,8 @@
         </p:nvSpPr>
         <p:spPr>
           <a:xfrm>
-            <a:off x="3877443" y="4925681"/>
-            <a:ext cx="1366110" cy="445403"/>
+            <a:off x="3423841" y="4789831"/>
+            <a:ext cx="1633020" cy="532424"/>
           </a:xfrm>
           <a:prstGeom prst="rect">
             <a:avLst/>
@@ -5675,15 +5676,15 @@
           <a:p>
             <a:pPr algn="ctr"/>
             <a:r>
-              <a:rPr lang="ko-KR" altLang="en-US" sz="1200" b="1" dirty="0"/>
+              <a:rPr lang="ko-KR" altLang="en-US" sz="1400" b="1" dirty="0"/>
               <a:t>컴파일 타임에 </a:t>
             </a:r>
-            <a:endParaRPr lang="en-US" altLang="ko-KR" sz="1200" b="1" dirty="0"/>
+            <a:endParaRPr lang="en-US" altLang="ko-KR" sz="1400" b="1" dirty="0"/>
           </a:p>
           <a:p>
             <a:pPr algn="ctr"/>
             <a:r>
-              <a:rPr lang="ko-KR" altLang="en-US" sz="1200" b="1" dirty="0"/>
+              <a:rPr lang="ko-KR" altLang="en-US" sz="1400" b="1" dirty="0"/>
               <a:t>크기가 결정됨</a:t>
             </a:r>
           </a:p>
@@ -5703,8 +5704,8 @@
         </p:nvSpPr>
         <p:spPr>
           <a:xfrm>
-            <a:off x="5551478" y="4758442"/>
-            <a:ext cx="1077539" cy="584775"/>
+            <a:off x="5379146" y="4695303"/>
+            <a:ext cx="1422204" cy="646331"/>
           </a:xfrm>
           <a:prstGeom prst="rect">
             <a:avLst/>
@@ -5712,21 +5713,21 @@
           <a:noFill/>
         </p:spPr>
         <p:txBody>
-          <a:bodyPr wrap="none" rtlCol="0">
+          <a:bodyPr wrap="square" rtlCol="0">
             <a:spAutoFit/>
           </a:bodyPr>
           <a:lstStyle/>
           <a:p>
             <a:pPr algn="ctr"/>
             <a:r>
-              <a:rPr lang="ko-KR" altLang="en-US" sz="1600" dirty="0">
+              <a:rPr lang="ko-KR" altLang="en-US" dirty="0">
                 <a:solidFill>
                   <a:schemeClr val="lt1"/>
                 </a:solidFill>
               </a:rPr>
               <a:t>지역 변수</a:t>
             </a:r>
-            <a:endParaRPr lang="en-US" altLang="ko-KR" sz="1600" dirty="0">
+            <a:endParaRPr lang="en-US" altLang="ko-KR" dirty="0">
               <a:solidFill>
                 <a:schemeClr val="lt1"/>
               </a:solidFill>
@@ -5735,7 +5736,7 @@
           <a:p>
             <a:pPr algn="ctr"/>
             <a:r>
-              <a:rPr lang="ko-KR" altLang="en-US" sz="1600" dirty="0">
+              <a:rPr lang="ko-KR" altLang="en-US" dirty="0">
                 <a:solidFill>
                   <a:schemeClr val="lt1"/>
                 </a:solidFill>
@@ -5759,8 +5760,8 @@
         </p:nvSpPr>
         <p:spPr>
           <a:xfrm>
-            <a:off x="6948447" y="3244673"/>
-            <a:ext cx="1134504" cy="281500"/>
+            <a:off x="7127628" y="3217173"/>
+            <a:ext cx="1356164" cy="336500"/>
           </a:xfrm>
           <a:prstGeom prst="rect">
             <a:avLst/>
@@ -5796,11 +5797,11 @@
           <a:p>
             <a:pPr algn="ctr"/>
             <a:r>
-              <a:rPr lang="ko-KR" altLang="en-US" sz="1200" b="1" dirty="0" err="1"/>
+              <a:rPr lang="ko-KR" altLang="en-US" sz="1400" b="1" dirty="0" err="1"/>
               <a:t>힙</a:t>
             </a:r>
             <a:r>
-              <a:rPr lang="ko-KR" altLang="en-US" sz="1200" b="1" dirty="0"/>
+              <a:rPr lang="ko-KR" altLang="en-US" sz="1400" b="1" dirty="0"/>
               <a:t> 영역</a:t>
             </a:r>
           </a:p>
@@ -5820,8 +5821,8 @@
         </p:nvSpPr>
         <p:spPr>
           <a:xfrm>
-            <a:off x="6948447" y="4940857"/>
-            <a:ext cx="1134504" cy="281500"/>
+            <a:off x="7127628" y="4913357"/>
+            <a:ext cx="1356164" cy="336500"/>
           </a:xfrm>
           <a:prstGeom prst="rect">
             <a:avLst/>
@@ -5857,7 +5858,7 @@
           <a:p>
             <a:pPr algn="ctr"/>
             <a:r>
-              <a:rPr lang="ko-KR" altLang="en-US" sz="1200" b="1" dirty="0"/>
+              <a:rPr lang="ko-KR" altLang="en-US" sz="1400" b="1" dirty="0"/>
               <a:t>스택 영역</a:t>
             </a:r>
           </a:p>
@@ -5878,9 +5879,9 @@
           <p:nvPr/>
         </p:nvCxnSpPr>
         <p:spPr>
-          <a:xfrm flipV="1">
-            <a:off x="7479103" y="4459855"/>
-            <a:ext cx="0" cy="391978"/>
+          <a:xfrm flipH="1" flipV="1">
+            <a:off x="7769114" y="4459855"/>
+            <a:ext cx="1" cy="422316"/>
           </a:xfrm>
           <a:prstGeom prst="straightConnector1">
             <a:avLst/>
@@ -5919,9 +5920,9 @@
           <p:nvPr/>
         </p:nvCxnSpPr>
         <p:spPr>
-          <a:xfrm>
-            <a:off x="7479103" y="3638127"/>
-            <a:ext cx="0" cy="381457"/>
+          <a:xfrm flipH="1">
+            <a:off x="7769114" y="3633875"/>
+            <a:ext cx="1" cy="385709"/>
           </a:xfrm>
           <a:prstGeom prst="straightConnector1">
             <a:avLst/>
@@ -5959,17 +5960,14 @@
         </p:nvSpPr>
         <p:spPr>
           <a:xfrm>
-            <a:off x="3877443" y="5540734"/>
-            <a:ext cx="1366110" cy="445403"/>
+            <a:off x="3424299" y="5674696"/>
+            <a:ext cx="1633020" cy="532424"/>
           </a:xfrm>
           <a:prstGeom prst="rect">
             <a:avLst/>
           </a:prstGeom>
           <a:solidFill>
-            <a:schemeClr val="tx1">
-              <a:lumMod val="75000"/>
-              <a:lumOff val="25000"/>
-            </a:schemeClr>
+            <a:srgbClr val="AF5827"/>
           </a:solidFill>
           <a:ln>
             <a:noFill/>
@@ -5997,18 +5995,18 @@
           <a:p>
             <a:pPr algn="ctr"/>
             <a:r>
-              <a:rPr lang="ko-KR" altLang="en-US" sz="1200" dirty="0"/>
+              <a:rPr lang="ko-KR" altLang="en-US" sz="1400" b="1" dirty="0"/>
               <a:t>높은 주소</a:t>
             </a:r>
-            <a:endParaRPr lang="en-US" altLang="ko-KR" sz="1200" dirty="0"/>
+            <a:endParaRPr lang="en-US" altLang="ko-KR" sz="1400" b="1" dirty="0"/>
           </a:p>
           <a:p>
             <a:pPr algn="ctr"/>
             <a:r>
-              <a:rPr lang="en-US" altLang="ko-KR" sz="1200" dirty="0"/>
+              <a:rPr lang="en-US" altLang="ko-KR" sz="1400" b="1" dirty="0"/>
               <a:t>(high memory)</a:t>
             </a:r>
-            <a:endParaRPr lang="ko-KR" altLang="en-US" sz="1200" dirty="0"/>
+            <a:endParaRPr lang="ko-KR" altLang="en-US" sz="1400" b="1" dirty="0"/>
           </a:p>
         </p:txBody>
       </p:sp>
@@ -6026,8 +6024,8 @@
         </p:nvSpPr>
         <p:spPr>
           <a:xfrm>
-            <a:off x="5407192" y="6177803"/>
-            <a:ext cx="1366110" cy="342479"/>
+            <a:off x="5064372" y="6144347"/>
+            <a:ext cx="2051750" cy="409392"/>
           </a:xfrm>
           <a:prstGeom prst="rect">
             <a:avLst/>
@@ -6059,7 +6057,7 @@
           <a:p>
             <a:pPr algn="ctr"/>
             <a:r>
-              <a:rPr lang="ko-KR" altLang="en-US" sz="1200" b="1" dirty="0">
+              <a:rPr lang="ko-KR" altLang="en-US" b="1" dirty="0">
                 <a:solidFill>
                   <a:schemeClr val="tx1"/>
                 </a:solidFill>
@@ -6226,10 +6224,10 @@
             <a:p>
               <a:pPr algn="ctr"/>
               <a:r>
-                <a:rPr lang="en-US" altLang="ko-KR" sz="2400" b="1" dirty="0"/>
+                <a:rPr lang="en-US" altLang="ko-KR" sz="2800" b="1" dirty="0"/>
                 <a:t>Heap</a:t>
               </a:r>
-              <a:endParaRPr lang="ko-KR" altLang="en-US" sz="2400" b="1" dirty="0"/>
+              <a:endParaRPr lang="ko-KR" altLang="en-US" sz="2800" b="1" dirty="0"/>
             </a:p>
           </p:txBody>
         </p:sp>
@@ -6301,8 +6299,8 @@
           </p:nvSpPr>
           <p:spPr>
             <a:xfrm>
-              <a:off x="5766894" y="4912158"/>
-              <a:ext cx="646717" cy="311545"/>
+              <a:off x="5724100" y="4912158"/>
+              <a:ext cx="732305" cy="353085"/>
             </a:xfrm>
             <a:prstGeom prst="rect">
               <a:avLst/>
@@ -6317,14 +6315,14 @@
             <a:p>
               <a:pPr algn="ctr"/>
               <a:r>
-                <a:rPr lang="en-US" altLang="ko-KR" sz="2400" b="1" dirty="0">
+                <a:rPr lang="en-US" altLang="ko-KR" sz="2800" b="1" dirty="0">
                   <a:solidFill>
                     <a:schemeClr val="lt1"/>
                   </a:solidFill>
                 </a:rPr>
                 <a:t>Stack</a:t>
               </a:r>
-              <a:endParaRPr lang="ko-KR" altLang="en-US" sz="2400" b="1" dirty="0">
+              <a:endParaRPr lang="ko-KR" altLang="en-US" sz="2800" b="1" dirty="0">
                 <a:solidFill>
                   <a:schemeClr val="lt1"/>
                 </a:solidFill>
@@ -6486,8 +6484,8 @@
         </p:nvSpPr>
         <p:spPr>
           <a:xfrm>
-            <a:off x="5407192" y="6177803"/>
-            <a:ext cx="1366110" cy="342479"/>
+            <a:off x="5110157" y="6177803"/>
+            <a:ext cx="1960180" cy="342479"/>
           </a:xfrm>
           <a:prstGeom prst="rect">
             <a:avLst/>
@@ -6519,7 +6517,7 @@
           <a:p>
             <a:pPr algn="ctr"/>
             <a:r>
-              <a:rPr lang="ko-KR" altLang="en-US" sz="1200" b="1" dirty="0">
+              <a:rPr lang="ko-KR" altLang="en-US" sz="1600" b="1" dirty="0">
                 <a:solidFill>
                   <a:schemeClr val="tx1"/>
                 </a:solidFill>
